--- a/report_figs/figsedit.pptx
+++ b/report_figs/figsedit.pptx
@@ -3095,44 +3095,6 @@
           <a:chExt cx="0" cy="0"/>
         </a:xfrm>
       </p:grpSpPr>
-      <p:sp>
-        <p:nvSpPr>
-          <p:cNvPr id="2" name="Title 1"/>
-          <p:cNvSpPr>
-            <a:spLocks noGrp="1"/>
-          </p:cNvSpPr>
-          <p:nvPr>
-            <p:ph type="ctrTitle"/>
-          </p:nvPr>
-        </p:nvSpPr>
-        <p:spPr/>
-        <p:txBody>
-          <a:bodyPr/>
-          <a:lstStyle/>
-          <a:p>
-            <a:endParaRPr lang="en-US" dirty="0"/>
-          </a:p>
-        </p:txBody>
-      </p:sp>
-      <p:sp>
-        <p:nvSpPr>
-          <p:cNvPr id="3" name="Subtitle 2"/>
-          <p:cNvSpPr>
-            <a:spLocks noGrp="1"/>
-          </p:cNvSpPr>
-          <p:nvPr>
-            <p:ph type="subTitle" idx="1"/>
-          </p:nvPr>
-        </p:nvSpPr>
-        <p:spPr/>
-        <p:txBody>
-          <a:bodyPr/>
-          <a:lstStyle/>
-          <a:p>
-            <a:endParaRPr lang="en-US"/>
-          </a:p>
-        </p:txBody>
-      </p:sp>
       <p:grpSp>
         <p:nvGrpSpPr>
           <p:cNvPr id="10" name="Group 9"/>
@@ -3141,7 +3103,7 @@
         </p:nvGrpSpPr>
         <p:grpSpPr>
           <a:xfrm>
-            <a:off x="-7795803" y="-228600"/>
+            <a:off x="-3050344" y="-21193"/>
             <a:ext cx="12377155" cy="2439089"/>
             <a:chOff x="-7795803" y="-228600"/>
             <a:chExt cx="12377155" cy="2439089"/>
@@ -3385,45 +3347,6 @@
           </p:txBody>
         </p:sp>
       </p:grpSp>
-      <p:sp>
-        <p:nvSpPr>
-          <p:cNvPr id="12" name="AutoShape 6" descr="https://lh3.googleusercontent.com/RvDk49YJ3rI1B_zKCBm1V8hjbJfmbSh99whUs60FPyrdWIWaC_NzWcrBWdqNHykX7QhP5Dnsd7E5D8oIDOVDU7eP0g9eXuWOdCd7LX6UoF8n0SHKCiYOnS_G6i1qcSbhV1cPhMlVjxZQ97dQ4XrkGOMFSidfdYJNkBCt1LQVhZXiMfIeE3oKCB85jraZPITLoH_1X5Yx-alDTLcjcOeXsdY1aRNPpLysRNLLTYZZQ4aNCwnVyVZaUM4c3S_33MKAKzaEPP8vK60KlSNoo_T-SrB8XjsM6Qzm05G0RdLtXFSK-XZN76ij99VL7T_JCHeyMVB-hG3HQrJZd7IQ3UxewFr4mygR5yNGSqaJUA1O_IOcoabA4hlDaLISZsdWNSg0xg-xHaEJEgiQ85sozIYP8TibnVl2Q-tf_KhWiLEL0FiBee-CHEzKL60mKZqyhPsiGxVQpIbKYc2kZ_szRUJ7HgtJYPhq2wnDaKowrJ8XzrfJTXKSvkxr6_3WpboJDdk72sA3urOROtYLToY3i5yWBEsN6sNxB-Libf6NlrO1GT57HyqiqL4Z2jdtmJvu4N-Y1Cp5HBR9t6WpdmixxsQeSeoxCHIqttisQTNba6Q=w742-h989-no"/>
-          <p:cNvSpPr>
-            <a:spLocks noChangeAspect="1" noChangeArrowheads="1"/>
-          </p:cNvSpPr>
-          <p:nvPr/>
-        </p:nvSpPr>
-        <p:spPr bwMode="auto">
-          <a:xfrm>
-            <a:off x="155575" y="-144463"/>
-            <a:ext cx="304800" cy="304801"/>
-          </a:xfrm>
-          <a:prstGeom prst="rect">
-            <a:avLst/>
-          </a:prstGeom>
-          <a:noFill/>
-          <a:extLst>
-            <a:ext uri="{909E8E84-426E-40DD-AFC4-6F175D3DCCD1}">
-              <a14:hiddenFill xmlns:a14="http://schemas.microsoft.com/office/drawing/2010/main">
-                <a:solidFill>
-                  <a:srgbClr val="FFFFFF"/>
-                </a:solidFill>
-              </a14:hiddenFill>
-            </a:ext>
-          </a:extLst>
-        </p:spPr>
-        <p:txBody>
-          <a:bodyPr vert="horz" wrap="square" lIns="91440" tIns="45720" rIns="91440" bIns="45720" numCol="1" anchor="t" anchorCtr="0" compatLnSpc="1">
-            <a:prstTxWarp prst="textNoShape">
-              <a:avLst/>
-            </a:prstTxWarp>
-          </a:bodyPr>
-          <a:lstStyle/>
-          <a:p>
-            <a:endParaRPr lang="en-US"/>
-          </a:p>
-        </p:txBody>
-      </p:sp>
       <p:grpSp>
         <p:nvGrpSpPr>
           <p:cNvPr id="15" name="Group 14"/>
@@ -3432,7 +3355,7 @@
         </p:nvGrpSpPr>
         <p:grpSpPr>
           <a:xfrm>
-            <a:off x="-7184995" y="3685716"/>
+            <a:off x="-296584" y="-4953000"/>
             <a:ext cx="9623395" cy="4374458"/>
             <a:chOff x="-7184995" y="3685716"/>
             <a:chExt cx="9623395" cy="4374458"/>
@@ -3642,6 +3565,312 @@
               <a:r>
                 <a:rPr lang="en-US" dirty="0" smtClean="0"/>
                 <a:t>(b)</a:t>
+              </a:r>
+              <a:endParaRPr lang="en-US" dirty="0"/>
+            </a:p>
+          </p:txBody>
+        </p:sp>
+      </p:grpSp>
+      <p:grpSp>
+        <p:nvGrpSpPr>
+          <p:cNvPr id="25" name="Group 24"/>
+          <p:cNvGrpSpPr/>
+          <p:nvPr/>
+        </p:nvGrpSpPr>
+        <p:grpSpPr>
+          <a:xfrm>
+            <a:off x="-1141905" y="2870716"/>
+            <a:ext cx="8855632" cy="3389648"/>
+            <a:chOff x="-3359921" y="-334266"/>
+            <a:chExt cx="8855632" cy="3389648"/>
+          </a:xfrm>
+        </p:grpSpPr>
+        <p:grpSp>
+          <p:nvGrpSpPr>
+            <p:cNvPr id="22" name="Group 21"/>
+            <p:cNvGrpSpPr/>
+            <p:nvPr/>
+          </p:nvGrpSpPr>
+          <p:grpSpPr>
+            <a:xfrm>
+              <a:off x="-3359921" y="-334266"/>
+              <a:ext cx="8855632" cy="3010791"/>
+              <a:chOff x="-9963150" y="5562599"/>
+              <a:chExt cx="15744917" cy="5353051"/>
+            </a:xfrm>
+          </p:grpSpPr>
+          <p:pic>
+            <p:nvPicPr>
+              <p:cNvPr id="1030" name="Picture 6" descr="C:\Users\CoreyZ\Documents\GitHub\ME4451\report_figs\lengthcal_1.png"/>
+              <p:cNvPicPr>
+                <a:picLocks noChangeAspect="1" noChangeArrowheads="1"/>
+              </p:cNvPicPr>
+              <p:nvPr/>
+            </p:nvPicPr>
+            <p:blipFill rotWithShape="1">
+              <a:blip r:embed="rId8">
+                <a:extLst>
+                  <a:ext uri="{28A0092B-C50C-407E-A947-70E740481C1C}">
+                    <a14:useLocalDpi xmlns:a14="http://schemas.microsoft.com/office/drawing/2010/main" val="0"/>
+                  </a:ext>
+                </a:extLst>
+              </a:blip>
+              <a:srcRect l="34353" t="10205" r="38095" b="20823"/>
+              <a:stretch/>
+            </p:blipFill>
+            <p:spPr bwMode="auto">
+              <a:xfrm>
+                <a:off x="-1957158" y="5562599"/>
+                <a:ext cx="3810000" cy="5353051"/>
+              </a:xfrm>
+              <a:prstGeom prst="rect">
+                <a:avLst/>
+              </a:prstGeom>
+              <a:noFill/>
+              <a:extLst>
+                <a:ext uri="{909E8E84-426E-40DD-AFC4-6F175D3DCCD1}">
+                  <a14:hiddenFill xmlns:a14="http://schemas.microsoft.com/office/drawing/2010/main">
+                    <a:solidFill>
+                      <a:srgbClr val="FFFFFF"/>
+                    </a:solidFill>
+                  </a14:hiddenFill>
+                </a:ext>
+              </a:extLst>
+            </p:spPr>
+          </p:pic>
+          <p:pic>
+            <p:nvPicPr>
+              <p:cNvPr id="16" name="Picture 7" descr="C:\Users\CoreyZ\Documents\GitHub\ME4451\report_figs\lengthcal_2.png"/>
+              <p:cNvPicPr>
+                <a:picLocks noChangeAspect="1" noChangeArrowheads="1"/>
+              </p:cNvPicPr>
+              <p:nvPr/>
+            </p:nvPicPr>
+            <p:blipFill rotWithShape="1">
+              <a:blip r:embed="rId9">
+                <a:extLst>
+                  <a:ext uri="{28A0092B-C50C-407E-A947-70E740481C1C}">
+                    <a14:useLocalDpi xmlns:a14="http://schemas.microsoft.com/office/drawing/2010/main" val="0"/>
+                  </a:ext>
+                </a:extLst>
+              </a:blip>
+              <a:srcRect l="34353" t="10205" r="38095" b="20823"/>
+              <a:stretch/>
+            </p:blipFill>
+            <p:spPr bwMode="auto">
+              <a:xfrm>
+                <a:off x="1971767" y="5562599"/>
+                <a:ext cx="3810000" cy="5353051"/>
+              </a:xfrm>
+              <a:prstGeom prst="rect">
+                <a:avLst/>
+              </a:prstGeom>
+              <a:noFill/>
+              <a:extLst>
+                <a:ext uri="{909E8E84-426E-40DD-AFC4-6F175D3DCCD1}">
+                  <a14:hiddenFill xmlns:a14="http://schemas.microsoft.com/office/drawing/2010/main">
+                    <a:solidFill>
+                      <a:srgbClr val="FFFFFF"/>
+                    </a:solidFill>
+                  </a14:hiddenFill>
+                </a:ext>
+              </a:extLst>
+            </p:spPr>
+          </p:pic>
+          <p:pic>
+            <p:nvPicPr>
+              <p:cNvPr id="17" name="Picture 8" descr="C:\Users\CoreyZ\Documents\GitHub\ME4451\report_figs\smallmaze.png"/>
+              <p:cNvPicPr>
+                <a:picLocks noChangeAspect="1" noChangeArrowheads="1"/>
+              </p:cNvPicPr>
+              <p:nvPr/>
+            </p:nvPicPr>
+            <p:blipFill rotWithShape="1">
+              <a:blip r:embed="rId10">
+                <a:extLst>
+                  <a:ext uri="{28A0092B-C50C-407E-A947-70E740481C1C}">
+                    <a14:useLocalDpi xmlns:a14="http://schemas.microsoft.com/office/drawing/2010/main" val="0"/>
+                  </a:ext>
+                </a:extLst>
+              </a:blip>
+              <a:srcRect l="34353" t="9982" r="38095" b="21047"/>
+              <a:stretch/>
+            </p:blipFill>
+            <p:spPr bwMode="auto">
+              <a:xfrm>
+                <a:off x="-9963150" y="5562600"/>
+                <a:ext cx="3810000" cy="5353050"/>
+              </a:xfrm>
+              <a:prstGeom prst="rect">
+                <a:avLst/>
+              </a:prstGeom>
+              <a:noFill/>
+              <a:extLst>
+                <a:ext uri="{909E8E84-426E-40DD-AFC4-6F175D3DCCD1}">
+                  <a14:hiddenFill xmlns:a14="http://schemas.microsoft.com/office/drawing/2010/main">
+                    <a:solidFill>
+                      <a:srgbClr val="FFFFFF"/>
+                    </a:solidFill>
+                  </a14:hiddenFill>
+                </a:ext>
+              </a:extLst>
+            </p:spPr>
+          </p:pic>
+          <p:pic>
+            <p:nvPicPr>
+              <p:cNvPr id="18" name="Picture 9" descr="C:\Users\CoreyZ\Documents\GitHub\ME4451\report_figs\filterim.png"/>
+              <p:cNvPicPr>
+                <a:picLocks noChangeAspect="1" noChangeArrowheads="1"/>
+              </p:cNvPicPr>
+              <p:nvPr/>
+            </p:nvPicPr>
+            <p:blipFill rotWithShape="1">
+              <a:blip r:embed="rId11">
+                <a:extLst>
+                  <a:ext uri="{28A0092B-C50C-407E-A947-70E740481C1C}">
+                    <a14:useLocalDpi xmlns:a14="http://schemas.microsoft.com/office/drawing/2010/main" val="0"/>
+                  </a:ext>
+                </a:extLst>
+              </a:blip>
+              <a:srcRect l="34353" t="10207" r="38095" b="20822"/>
+              <a:stretch/>
+            </p:blipFill>
+            <p:spPr bwMode="auto">
+              <a:xfrm>
+                <a:off x="-5902638" y="5562601"/>
+                <a:ext cx="3810000" cy="5353049"/>
+              </a:xfrm>
+              <a:prstGeom prst="rect">
+                <a:avLst/>
+              </a:prstGeom>
+              <a:noFill/>
+              <a:extLst>
+                <a:ext uri="{909E8E84-426E-40DD-AFC4-6F175D3DCCD1}">
+                  <a14:hiddenFill xmlns:a14="http://schemas.microsoft.com/office/drawing/2010/main">
+                    <a:solidFill>
+                      <a:srgbClr val="FFFFFF"/>
+                    </a:solidFill>
+                  </a14:hiddenFill>
+                </a:ext>
+              </a:extLst>
+            </p:spPr>
+          </p:pic>
+        </p:grpSp>
+        <p:sp>
+          <p:nvSpPr>
+            <p:cNvPr id="36" name="TextBox 35"/>
+            <p:cNvSpPr txBox="1"/>
+            <p:nvPr/>
+          </p:nvSpPr>
+          <p:spPr>
+            <a:xfrm>
+              <a:off x="-2514600" y="2686050"/>
+              <a:ext cx="533400" cy="369332"/>
+            </a:xfrm>
+            <a:prstGeom prst="rect">
+              <a:avLst/>
+            </a:prstGeom>
+            <a:noFill/>
+          </p:spPr>
+          <p:txBody>
+            <a:bodyPr wrap="square" rtlCol="0">
+              <a:spAutoFit/>
+            </a:bodyPr>
+            <a:lstStyle/>
+            <a:p>
+              <a:r>
+                <a:rPr lang="en-US" dirty="0" smtClean="0"/>
+                <a:t>(a)</a:t>
+              </a:r>
+              <a:endParaRPr lang="en-US" dirty="0"/>
+            </a:p>
+          </p:txBody>
+        </p:sp>
+        <p:sp>
+          <p:nvSpPr>
+            <p:cNvPr id="37" name="TextBox 36"/>
+            <p:cNvSpPr txBox="1"/>
+            <p:nvPr/>
+          </p:nvSpPr>
+          <p:spPr>
+            <a:xfrm>
+              <a:off x="-228600" y="2676525"/>
+              <a:ext cx="533400" cy="369332"/>
+            </a:xfrm>
+            <a:prstGeom prst="rect">
+              <a:avLst/>
+            </a:prstGeom>
+            <a:noFill/>
+          </p:spPr>
+          <p:txBody>
+            <a:bodyPr wrap="square" rtlCol="0">
+              <a:spAutoFit/>
+            </a:bodyPr>
+            <a:lstStyle/>
+            <a:p>
+              <a:r>
+                <a:rPr lang="en-US" dirty="0" smtClean="0"/>
+                <a:t>(b)</a:t>
+              </a:r>
+              <a:endParaRPr lang="en-US" dirty="0"/>
+            </a:p>
+          </p:txBody>
+        </p:sp>
+        <p:sp>
+          <p:nvSpPr>
+            <p:cNvPr id="38" name="TextBox 37"/>
+            <p:cNvSpPr txBox="1"/>
+            <p:nvPr/>
+          </p:nvSpPr>
+          <p:spPr>
+            <a:xfrm>
+              <a:off x="1981200" y="2686050"/>
+              <a:ext cx="533400" cy="369332"/>
+            </a:xfrm>
+            <a:prstGeom prst="rect">
+              <a:avLst/>
+            </a:prstGeom>
+            <a:noFill/>
+          </p:spPr>
+          <p:txBody>
+            <a:bodyPr wrap="square" rtlCol="0">
+              <a:spAutoFit/>
+            </a:bodyPr>
+            <a:lstStyle/>
+            <a:p>
+              <a:r>
+                <a:rPr lang="en-US" dirty="0" smtClean="0"/>
+                <a:t>(c)</a:t>
+              </a:r>
+              <a:endParaRPr lang="en-US" dirty="0"/>
+            </a:p>
+          </p:txBody>
+        </p:sp>
+        <p:sp>
+          <p:nvSpPr>
+            <p:cNvPr id="39" name="TextBox 38"/>
+            <p:cNvSpPr txBox="1"/>
+            <p:nvPr/>
+          </p:nvSpPr>
+          <p:spPr>
+            <a:xfrm>
+              <a:off x="4191000" y="2686050"/>
+              <a:ext cx="533400" cy="369332"/>
+            </a:xfrm>
+            <a:prstGeom prst="rect">
+              <a:avLst/>
+            </a:prstGeom>
+            <a:noFill/>
+          </p:spPr>
+          <p:txBody>
+            <a:bodyPr wrap="square" rtlCol="0">
+              <a:spAutoFit/>
+            </a:bodyPr>
+            <a:lstStyle/>
+            <a:p>
+              <a:r>
+                <a:rPr lang="en-US" dirty="0" smtClean="0"/>
+                <a:t>(d)</a:t>
               </a:r>
               <a:endParaRPr lang="en-US" dirty="0"/>
             </a:p>
